--- a/Wikidocs/pics_for_datetime.pptx
+++ b/Wikidocs/pics_for_datetime.pptx
@@ -104,6 +104,11 @@
       </a:defRPr>
     </a:lvl9pPr>
   </p:defaultTextStyle>
+  <p:extLst>
+    <p:ext uri="{EFAFB233-063F-42B5-8137-9DF3F51BA10A}">
+      <p15:sldGuideLst xmlns:p15="http://schemas.microsoft.com/office/powerpoint/2012/main"/>
+    </p:ext>
+  </p:extLst>
 </p:presentation>
 </file>
 
@@ -3386,16 +3391,15 @@
           </p:cNvPicPr>
           <p:nvPr/>
         </p:nvPicPr>
-        <p:blipFill>
+        <p:blipFill rotWithShape="1">
           <a:blip r:embed="rId3"/>
-          <a:stretch>
-            <a:fillRect/>
-          </a:stretch>
+          <a:srcRect b="55702"/>
+          <a:stretch/>
         </p:blipFill>
         <p:spPr>
           <a:xfrm>
-            <a:off x="6311153" y="439270"/>
-            <a:ext cx="3795388" cy="5593977"/>
+            <a:off x="6311153" y="2205318"/>
+            <a:ext cx="3795388" cy="2478020"/>
           </a:xfrm>
           <a:prstGeom prst="rect">
             <a:avLst/>
